--- a/Aspectos clave.pptx
+++ b/Aspectos clave.pptx
@@ -250,7 +250,7 @@
           <a:p>
             <a:fld id="{15D4CB62-A32C-4F30-AA63-C822D98B8B3C}" type="datetimeFigureOut">
               <a:rPr lang="es-CO" smtClean="0"/>
-              <a:t>27/01/2020</a:t>
+              <a:t>7/02/2020</a:t>
             </a:fld>
             <a:endParaRPr lang="es-CO"/>
           </a:p>
@@ -420,7 +420,7 @@
           <a:p>
             <a:fld id="{15D4CB62-A32C-4F30-AA63-C822D98B8B3C}" type="datetimeFigureOut">
               <a:rPr lang="es-CO" smtClean="0"/>
-              <a:t>27/01/2020</a:t>
+              <a:t>7/02/2020</a:t>
             </a:fld>
             <a:endParaRPr lang="es-CO"/>
           </a:p>
@@ -600,7 +600,7 @@
           <a:p>
             <a:fld id="{15D4CB62-A32C-4F30-AA63-C822D98B8B3C}" type="datetimeFigureOut">
               <a:rPr lang="es-CO" smtClean="0"/>
-              <a:t>27/01/2020</a:t>
+              <a:t>7/02/2020</a:t>
             </a:fld>
             <a:endParaRPr lang="es-CO"/>
           </a:p>
@@ -770,7 +770,7 @@
           <a:p>
             <a:fld id="{15D4CB62-A32C-4F30-AA63-C822D98B8B3C}" type="datetimeFigureOut">
               <a:rPr lang="es-CO" smtClean="0"/>
-              <a:t>27/01/2020</a:t>
+              <a:t>7/02/2020</a:t>
             </a:fld>
             <a:endParaRPr lang="es-CO"/>
           </a:p>
@@ -1016,7 +1016,7 @@
           <a:p>
             <a:fld id="{15D4CB62-A32C-4F30-AA63-C822D98B8B3C}" type="datetimeFigureOut">
               <a:rPr lang="es-CO" smtClean="0"/>
-              <a:t>27/01/2020</a:t>
+              <a:t>7/02/2020</a:t>
             </a:fld>
             <a:endParaRPr lang="es-CO"/>
           </a:p>
@@ -1248,7 +1248,7 @@
           <a:p>
             <a:fld id="{15D4CB62-A32C-4F30-AA63-C822D98B8B3C}" type="datetimeFigureOut">
               <a:rPr lang="es-CO" smtClean="0"/>
-              <a:t>27/01/2020</a:t>
+              <a:t>7/02/2020</a:t>
             </a:fld>
             <a:endParaRPr lang="es-CO"/>
           </a:p>
@@ -1615,7 +1615,7 @@
           <a:p>
             <a:fld id="{15D4CB62-A32C-4F30-AA63-C822D98B8B3C}" type="datetimeFigureOut">
               <a:rPr lang="es-CO" smtClean="0"/>
-              <a:t>27/01/2020</a:t>
+              <a:t>7/02/2020</a:t>
             </a:fld>
             <a:endParaRPr lang="es-CO"/>
           </a:p>
@@ -1733,7 +1733,7 @@
           <a:p>
             <a:fld id="{15D4CB62-A32C-4F30-AA63-C822D98B8B3C}" type="datetimeFigureOut">
               <a:rPr lang="es-CO" smtClean="0"/>
-              <a:t>27/01/2020</a:t>
+              <a:t>7/02/2020</a:t>
             </a:fld>
             <a:endParaRPr lang="es-CO"/>
           </a:p>
@@ -1828,7 +1828,7 @@
           <a:p>
             <a:fld id="{15D4CB62-A32C-4F30-AA63-C822D98B8B3C}" type="datetimeFigureOut">
               <a:rPr lang="es-CO" smtClean="0"/>
-              <a:t>27/01/2020</a:t>
+              <a:t>7/02/2020</a:t>
             </a:fld>
             <a:endParaRPr lang="es-CO"/>
           </a:p>
@@ -2105,7 +2105,7 @@
           <a:p>
             <a:fld id="{15D4CB62-A32C-4F30-AA63-C822D98B8B3C}" type="datetimeFigureOut">
               <a:rPr lang="es-CO" smtClean="0"/>
-              <a:t>27/01/2020</a:t>
+              <a:t>7/02/2020</a:t>
             </a:fld>
             <a:endParaRPr lang="es-CO"/>
           </a:p>
@@ -2358,7 +2358,7 @@
           <a:p>
             <a:fld id="{15D4CB62-A32C-4F30-AA63-C822D98B8B3C}" type="datetimeFigureOut">
               <a:rPr lang="es-CO" smtClean="0"/>
-              <a:t>27/01/2020</a:t>
+              <a:t>7/02/2020</a:t>
             </a:fld>
             <a:endParaRPr lang="es-CO"/>
           </a:p>
@@ -2571,7 +2571,7 @@
           <a:p>
             <a:fld id="{15D4CB62-A32C-4F30-AA63-C822D98B8B3C}" type="datetimeFigureOut">
               <a:rPr lang="es-CO" smtClean="0"/>
-              <a:t>27/01/2020</a:t>
+              <a:t>7/02/2020</a:t>
             </a:fld>
             <a:endParaRPr lang="es-CO"/>
           </a:p>
@@ -3621,7 +3621,6 @@
               <a:rPr lang="es-CO" dirty="0" smtClean="0"/>
               <a:t>NO IR                            IR</a:t>
             </a:r>
-            <a:endParaRPr lang="es-CO" dirty="0" smtClean="0"/>
           </a:p>
         </p:txBody>
       </p:sp>
@@ -3651,7 +3650,6 @@
               <a:rPr lang="es-CO" dirty="0" smtClean="0"/>
               <a:t>(-1, -1)</a:t>
             </a:r>
-            <a:endParaRPr lang="es-CO" dirty="0" smtClean="0"/>
           </a:p>
         </p:txBody>
       </p:sp>
@@ -3681,7 +3679,6 @@
               <a:rPr lang="es-CO" dirty="0" smtClean="0"/>
               <a:t>(0, 1)</a:t>
             </a:r>
-            <a:endParaRPr lang="es-CO" dirty="0" smtClean="0"/>
           </a:p>
         </p:txBody>
       </p:sp>
@@ -3709,17 +3706,8 @@
           <a:p>
             <a:r>
               <a:rPr lang="es-CO" dirty="0" smtClean="0"/>
-              <a:t>(1</a:t>
-            </a:r>
-            <a:r>
-              <a:rPr lang="es-CO" dirty="0" smtClean="0"/>
-              <a:t>, </a:t>
-            </a:r>
-            <a:r>
-              <a:rPr lang="es-CO" dirty="0" smtClean="0"/>
-              <a:t>0)</a:t>
-            </a:r>
-            <a:endParaRPr lang="es-CO" dirty="0" smtClean="0"/>
+              <a:t>(1, 0)</a:t>
+            </a:r>
           </a:p>
         </p:txBody>
       </p:sp>
@@ -3747,13 +3735,8 @@
           <a:p>
             <a:r>
               <a:rPr lang="es-CO" dirty="0" smtClean="0"/>
-              <a:t>(0, </a:t>
-            </a:r>
-            <a:r>
-              <a:rPr lang="es-CO" dirty="0" smtClean="0"/>
-              <a:t>0)</a:t>
-            </a:r>
-            <a:endParaRPr lang="es-CO" dirty="0" smtClean="0"/>
+              <a:t>(0, 0)</a:t>
+            </a:r>
           </a:p>
         </p:txBody>
       </p:sp>
@@ -4556,11 +4539,7 @@
             </a:r>
             <a:r>
               <a:rPr lang="en-US" sz="2400" i="1" dirty="0" smtClean="0"/>
-              <a:t>be</a:t>
-            </a:r>
-            <a:r>
-              <a:rPr lang="en-US" sz="2400" i="1" dirty="0" smtClean="0"/>
-              <a:t>: </a:t>
+              <a:t>be: </a:t>
             </a:r>
             <a:endParaRPr lang="en-US" sz="2400" i="1" dirty="0"/>
           </a:p>
@@ -5141,11 +5120,7 @@
             <a:pPr lvl="1"/>
             <a:r>
               <a:rPr lang="es-CO" dirty="0" smtClean="0"/>
-              <a:t>Explicación </a:t>
-            </a:r>
-            <a:r>
-              <a:rPr lang="es-CO" dirty="0" smtClean="0"/>
-              <a:t>menos parsimoniosa</a:t>
+              <a:t>Explicación menos parsimoniosa</a:t>
             </a:r>
             <a:endParaRPr lang="es-CO" dirty="0"/>
           </a:p>
